--- a/d3-share.pptx
+++ b/d3-share.pptx
@@ -1128,6 +1128,13 @@
         </dgm:presLayoutVars>
       </dgm:prSet>
       <dgm:spPr/>
+      <dgm:t>
+        <a:bodyPr/>
+        <a:lstStyle/>
+        <a:p>
+          <a:endParaRPr lang="zh-CN" altLang="en-US"/>
+        </a:p>
+      </dgm:t>
     </dgm:pt>
     <dgm:pt modelId="{8A94934E-005F-4701-AEDF-9A80D58EA22D}" type="pres">
       <dgm:prSet presAssocID="{A70DF3B9-B1F0-478E-8498-3947C3BFC716}" presName="parentText" presStyleLbl="node1" presStyleIdx="0" presStyleCnt="4">
@@ -1137,6 +1144,13 @@
         </dgm:presLayoutVars>
       </dgm:prSet>
       <dgm:spPr/>
+      <dgm:t>
+        <a:bodyPr/>
+        <a:lstStyle/>
+        <a:p>
+          <a:endParaRPr lang="zh-CN" altLang="en-US"/>
+        </a:p>
+      </dgm:t>
     </dgm:pt>
     <dgm:pt modelId="{3702513B-C906-43D4-84AD-9E3A2B9E363D}" type="pres">
       <dgm:prSet presAssocID="{286BFAA6-747F-48BF-B372-7FCC2BEDBFC5}" presName="spacer" presStyleCnt="0"/>
@@ -1170,6 +1184,13 @@
         </dgm:presLayoutVars>
       </dgm:prSet>
       <dgm:spPr/>
+      <dgm:t>
+        <a:bodyPr/>
+        <a:lstStyle/>
+        <a:p>
+          <a:endParaRPr lang="zh-CN" altLang="en-US"/>
+        </a:p>
+      </dgm:t>
     </dgm:pt>
     <dgm:pt modelId="{F75ED5BE-7229-4D32-A5FF-66B744C5A510}" type="pres">
       <dgm:prSet presAssocID="{3885C908-C597-4809-86E4-BA63E67A9DBF}" presName="spacer" presStyleCnt="0"/>
@@ -1183,18 +1204,25 @@
         </dgm:presLayoutVars>
       </dgm:prSet>
       <dgm:spPr/>
+      <dgm:t>
+        <a:bodyPr/>
+        <a:lstStyle/>
+        <a:p>
+          <a:endParaRPr lang="zh-CN" altLang="en-US"/>
+        </a:p>
+      </dgm:t>
     </dgm:pt>
   </dgm:ptLst>
   <dgm:cxnLst>
-    <dgm:cxn modelId="{4CCC5ABE-3E44-45FD-94AF-3401A398F846}" srcId="{0D1C06E4-5819-483E-840B-FDFE443B502E}" destId="{05385F37-54BA-40AB-BCA2-7ECD7957F14F}" srcOrd="3" destOrd="0" parTransId="{48077A7B-3D50-42B4-AE05-D21E2AF463D5}" sibTransId="{49CA2BC8-8A68-4E1D-AF8D-2A00B96C8E07}"/>
-    <dgm:cxn modelId="{A62E87C6-FA5D-499B-A5D2-4F576EEA6482}" srcId="{0D1C06E4-5819-483E-840B-FDFE443B502E}" destId="{F1C2235E-CD92-4BC6-956C-43BFBAEA2685}" srcOrd="1" destOrd="0" parTransId="{3E3F53B3-0231-4E1A-93FF-8DBF9BE7D71E}" sibTransId="{0A74BAB3-ED16-4AA1-BDCB-2CD7B5B1FD5D}"/>
-    <dgm:cxn modelId="{DADC3A99-9A6F-490F-9B1B-D1A97715401F}" type="presOf" srcId="{3619E2B6-A633-4842-9C95-14C8B40E2CA5}" destId="{B11CB3B8-9B8E-47D2-88AF-7779DC49D930}" srcOrd="0" destOrd="0" presId="urn:microsoft.com/office/officeart/2005/8/layout/vList2"/>
-    <dgm:cxn modelId="{253629DD-1BAA-48CC-A2FF-B22CB49540AE}" srcId="{0D1C06E4-5819-483E-840B-FDFE443B502E}" destId="{3619E2B6-A633-4842-9C95-14C8B40E2CA5}" srcOrd="2" destOrd="0" parTransId="{628AF981-57A4-473D-9C69-233087F9F679}" sibTransId="{3885C908-C597-4809-86E4-BA63E67A9DBF}"/>
-    <dgm:cxn modelId="{51EADE77-9403-483B-AB53-A5E87286F28A}" type="presOf" srcId="{0D1C06E4-5819-483E-840B-FDFE443B502E}" destId="{99989CCE-ED9E-4728-B957-48D6DAAB6490}" srcOrd="0" destOrd="0" presId="urn:microsoft.com/office/officeart/2005/8/layout/vList2"/>
-    <dgm:cxn modelId="{B315526D-09F1-43BA-9B36-4EB9E1E779DE}" type="presOf" srcId="{F1C2235E-CD92-4BC6-956C-43BFBAEA2685}" destId="{D21DD802-7D66-4C5A-9982-4B7CAB66E051}" srcOrd="0" destOrd="0" presId="urn:microsoft.com/office/officeart/2005/8/layout/vList2"/>
     <dgm:cxn modelId="{DE1FCC0B-D3B7-4614-85C9-49A666EBC1AD}" type="presOf" srcId="{05385F37-54BA-40AB-BCA2-7ECD7957F14F}" destId="{DFE4533F-C688-4C4A-9016-C87E10001FD9}" srcOrd="0" destOrd="0" presId="urn:microsoft.com/office/officeart/2005/8/layout/vList2"/>
     <dgm:cxn modelId="{AD32CDAD-F925-4967-9F03-EEFE04A6F1B1}" type="presOf" srcId="{A70DF3B9-B1F0-478E-8498-3947C3BFC716}" destId="{8A94934E-005F-4701-AEDF-9A80D58EA22D}" srcOrd="0" destOrd="0" presId="urn:microsoft.com/office/officeart/2005/8/layout/vList2"/>
     <dgm:cxn modelId="{87CE5A1A-4B16-4EE8-A21D-BB6DCB9D7DD1}" srcId="{0D1C06E4-5819-483E-840B-FDFE443B502E}" destId="{A70DF3B9-B1F0-478E-8498-3947C3BFC716}" srcOrd="0" destOrd="0" parTransId="{5542E62E-B7EB-475B-A21E-8ED6AFE4A2FE}" sibTransId="{286BFAA6-747F-48BF-B372-7FCC2BEDBFC5}"/>
+    <dgm:cxn modelId="{B315526D-09F1-43BA-9B36-4EB9E1E779DE}" type="presOf" srcId="{F1C2235E-CD92-4BC6-956C-43BFBAEA2685}" destId="{D21DD802-7D66-4C5A-9982-4B7CAB66E051}" srcOrd="0" destOrd="0" presId="urn:microsoft.com/office/officeart/2005/8/layout/vList2"/>
+    <dgm:cxn modelId="{DADC3A99-9A6F-490F-9B1B-D1A97715401F}" type="presOf" srcId="{3619E2B6-A633-4842-9C95-14C8B40E2CA5}" destId="{B11CB3B8-9B8E-47D2-88AF-7779DC49D930}" srcOrd="0" destOrd="0" presId="urn:microsoft.com/office/officeart/2005/8/layout/vList2"/>
+    <dgm:cxn modelId="{4CCC5ABE-3E44-45FD-94AF-3401A398F846}" srcId="{0D1C06E4-5819-483E-840B-FDFE443B502E}" destId="{05385F37-54BA-40AB-BCA2-7ECD7957F14F}" srcOrd="3" destOrd="0" parTransId="{48077A7B-3D50-42B4-AE05-D21E2AF463D5}" sibTransId="{49CA2BC8-8A68-4E1D-AF8D-2A00B96C8E07}"/>
+    <dgm:cxn modelId="{51EADE77-9403-483B-AB53-A5E87286F28A}" type="presOf" srcId="{0D1C06E4-5819-483E-840B-FDFE443B502E}" destId="{99989CCE-ED9E-4728-B957-48D6DAAB6490}" srcOrd="0" destOrd="0" presId="urn:microsoft.com/office/officeart/2005/8/layout/vList2"/>
+    <dgm:cxn modelId="{253629DD-1BAA-48CC-A2FF-B22CB49540AE}" srcId="{0D1C06E4-5819-483E-840B-FDFE443B502E}" destId="{3619E2B6-A633-4842-9C95-14C8B40E2CA5}" srcOrd="2" destOrd="0" parTransId="{628AF981-57A4-473D-9C69-233087F9F679}" sibTransId="{3885C908-C597-4809-86E4-BA63E67A9DBF}"/>
+    <dgm:cxn modelId="{A62E87C6-FA5D-499B-A5D2-4F576EEA6482}" srcId="{0D1C06E4-5819-483E-840B-FDFE443B502E}" destId="{F1C2235E-CD92-4BC6-956C-43BFBAEA2685}" srcOrd="1" destOrd="0" parTransId="{3E3F53B3-0231-4E1A-93FF-8DBF9BE7D71E}" sibTransId="{0A74BAB3-ED16-4AA1-BDCB-2CD7B5B1FD5D}"/>
     <dgm:cxn modelId="{352E9B42-5361-4903-9F5F-ACEBE889057C}" type="presParOf" srcId="{99989CCE-ED9E-4728-B957-48D6DAAB6490}" destId="{8A94934E-005F-4701-AEDF-9A80D58EA22D}" srcOrd="0" destOrd="0" presId="urn:microsoft.com/office/officeart/2005/8/layout/vList2"/>
     <dgm:cxn modelId="{216C4168-27A9-45F5-8A5F-FB8B9E9391E3}" type="presParOf" srcId="{99989CCE-ED9E-4728-B957-48D6DAAB6490}" destId="{3702513B-C906-43D4-84AD-9E3A2B9E363D}" srcOrd="1" destOrd="0" presId="urn:microsoft.com/office/officeart/2005/8/layout/vList2"/>
     <dgm:cxn modelId="{1F6114B3-9FD9-4F78-90E2-B022D304E721}" type="presParOf" srcId="{99989CCE-ED9E-4728-B957-48D6DAAB6490}" destId="{D21DD802-7D66-4C5A-9982-4B7CAB66E051}" srcOrd="2" destOrd="0" presId="urn:microsoft.com/office/officeart/2005/8/layout/vList2"/>
@@ -6232,7 +6260,60 @@
           <a:bodyPr/>
           <a:lstStyle/>
           <a:p>
-            <a:endParaRPr lang="zh-CN" altLang="en-US" dirty="0"/>
+            <a:r>
+              <a:rPr lang="en-US" altLang="zh-CN" dirty="0" smtClean="0">
+                <a:latin typeface="Times New Roman" panose="02020603050405020304" pitchFamily="18" charset="0"/>
+                <a:cs typeface="Times New Roman" panose="02020603050405020304" pitchFamily="18" charset="0"/>
+              </a:rPr>
+              <a:t>[1</a:t>
+            </a:r>
+            <a:r>
+              <a:rPr lang="en-US" altLang="zh-CN" dirty="0">
+                <a:latin typeface="Times New Roman" panose="02020603050405020304" pitchFamily="18" charset="0"/>
+                <a:cs typeface="Times New Roman" panose="02020603050405020304" pitchFamily="18" charset="0"/>
+              </a:rPr>
+              <a:t>] </a:t>
+            </a:r>
+            <a:r>
+              <a:rPr lang="en-US" altLang="zh-CN" dirty="0" smtClean="0">
+                <a:latin typeface="Times New Roman" panose="02020603050405020304" pitchFamily="18" charset="0"/>
+                <a:cs typeface="Times New Roman" panose="02020603050405020304" pitchFamily="18" charset="0"/>
+              </a:rPr>
+              <a:t>http</a:t>
+            </a:r>
+            <a:r>
+              <a:rPr lang="en-US" altLang="zh-CN" dirty="0">
+                <a:latin typeface="Times New Roman" panose="02020603050405020304" pitchFamily="18" charset="0"/>
+                <a:cs typeface="Times New Roman" panose="02020603050405020304" pitchFamily="18" charset="0"/>
+              </a:rPr>
+              <a:t>://d3js.org/</a:t>
+            </a:r>
+            <a:endParaRPr lang="en-US" altLang="zh-CN" dirty="0" smtClean="0">
+              <a:latin typeface="Times New Roman" panose="02020603050405020304" pitchFamily="18" charset="0"/>
+              <a:cs typeface="Times New Roman" panose="02020603050405020304" pitchFamily="18" charset="0"/>
+            </a:endParaRPr>
+          </a:p>
+          <a:p>
+            <a:r>
+              <a:rPr lang="en-US" altLang="zh-CN" dirty="0" smtClean="0">
+                <a:latin typeface="Times New Roman" panose="02020603050405020304" pitchFamily="18" charset="0"/>
+                <a:cs typeface="Times New Roman" panose="02020603050405020304" pitchFamily="18" charset="0"/>
+              </a:rPr>
+              <a:t>[2] Interactive data visualization for the web</a:t>
+            </a:r>
+          </a:p>
+          <a:p>
+            <a:r>
+              <a:rPr lang="en-US" altLang="zh-CN" dirty="0" smtClean="0">
+                <a:latin typeface="Times New Roman" panose="02020603050405020304" pitchFamily="18" charset="0"/>
+                <a:cs typeface="Times New Roman" panose="02020603050405020304" pitchFamily="18" charset="0"/>
+              </a:rPr>
+              <a:t>[3]</a:t>
+            </a:r>
+            <a:endParaRPr lang="zh-CN" altLang="en-US" dirty="0">
+              <a:latin typeface="Times New Roman" panose="02020603050405020304" pitchFamily="18" charset="0"/>
+              <a:cs typeface="Times New Roman" panose="02020603050405020304" pitchFamily="18" charset="0"/>
+            </a:endParaRPr>
           </a:p>
         </p:txBody>
       </p:sp>
@@ -6604,10 +6685,16 @@
           <a:lstStyle/>
           <a:p>
             <a:r>
-              <a:rPr lang="en-US" altLang="zh-CN" dirty="0" smtClean="0"/>
+              <a:rPr lang="en-US" altLang="zh-CN" dirty="0" smtClean="0">
+                <a:latin typeface="Times New Roman" panose="02020603050405020304" pitchFamily="18" charset="0"/>
+                <a:cs typeface="Times New Roman" panose="02020603050405020304" pitchFamily="18" charset="0"/>
+              </a:rPr>
               <a:t>Basics - JavaScript</a:t>
             </a:r>
-            <a:endParaRPr lang="zh-CN" altLang="en-US" dirty="0"/>
+            <a:endParaRPr lang="zh-CN" altLang="en-US" dirty="0">
+              <a:latin typeface="Times New Roman" panose="02020603050405020304" pitchFamily="18" charset="0"/>
+              <a:cs typeface="Times New Roman" panose="02020603050405020304" pitchFamily="18" charset="0"/>
+            </a:endParaRPr>
           </a:p>
         </p:txBody>
       </p:sp>
@@ -6627,12 +6714,52 @@
           <a:lstStyle/>
           <a:p>
             <a:r>
-              <a:rPr lang="en-US" altLang="zh-CN" dirty="0" err="1" smtClean="0"/>
-              <a:t>Javascript</a:t>
-            </a:r>
-            <a:endParaRPr lang="en-US" altLang="zh-CN" dirty="0" smtClean="0"/>
-          </a:p>
-          <a:p>
+              <a:rPr lang="en-US" altLang="zh-CN" sz="2800" dirty="0" smtClean="0">
+                <a:effectLst>
+                  <a:outerShdw blurRad="38100" dist="38100" dir="2700000" algn="tl">
+                    <a:srgbClr val="000000">
+                      <a:alpha val="43137"/>
+                    </a:srgbClr>
+                  </a:outerShdw>
+                </a:effectLst>
+                <a:latin typeface="Times New Roman" panose="02020603050405020304" pitchFamily="18" charset="0"/>
+                <a:cs typeface="Times New Roman" panose="02020603050405020304" pitchFamily="18" charset="0"/>
+              </a:rPr>
+              <a:t>JavaScript</a:t>
+            </a:r>
+            <a:r>
+              <a:rPr lang="en-US" altLang="zh-CN" sz="2800" dirty="0" smtClean="0">
+                <a:latin typeface="Times New Roman" panose="02020603050405020304" pitchFamily="18" charset="0"/>
+                <a:cs typeface="Times New Roman" panose="02020603050405020304" pitchFamily="18" charset="0"/>
+              </a:rPr>
+              <a:t> </a:t>
+            </a:r>
+            <a:r>
+              <a:rPr lang="en-US" altLang="zh-CN" sz="2800" dirty="0">
+                <a:latin typeface="Times New Roman" panose="02020603050405020304" pitchFamily="18" charset="0"/>
+                <a:cs typeface="Times New Roman" panose="02020603050405020304" pitchFamily="18" charset="0"/>
+              </a:rPr>
+              <a:t>is the scripting language that can make pages dynamic by manipulating </a:t>
+            </a:r>
+            <a:r>
+              <a:rPr lang="en-US" altLang="zh-CN" sz="2800" dirty="0" smtClean="0">
+                <a:latin typeface="Times New Roman" panose="02020603050405020304" pitchFamily="18" charset="0"/>
+                <a:cs typeface="Times New Roman" panose="02020603050405020304" pitchFamily="18" charset="0"/>
+              </a:rPr>
+              <a:t>the DOM </a:t>
+            </a:r>
+            <a:r>
+              <a:rPr lang="en-US" altLang="zh-CN" sz="2800" dirty="0">
+                <a:latin typeface="Times New Roman" panose="02020603050405020304" pitchFamily="18" charset="0"/>
+                <a:cs typeface="Times New Roman" panose="02020603050405020304" pitchFamily="18" charset="0"/>
+              </a:rPr>
+              <a:t>after a page has already loaded in the browser</a:t>
+            </a:r>
+          </a:p>
+          <a:p>
+            <a:pPr marL="0" indent="0">
+              <a:buNone/>
+            </a:pPr>
             <a:endParaRPr lang="zh-CN" altLang="en-US" dirty="0"/>
           </a:p>
         </p:txBody>
@@ -6660,7 +6787,7 @@
         </p:blipFill>
         <p:spPr bwMode="auto">
           <a:xfrm>
-            <a:off x="942797" y="3356992"/>
+            <a:off x="971600" y="3284984"/>
             <a:ext cx="7013579" cy="792088"/>
           </a:xfrm>
           <a:prstGeom prst="rect">
@@ -6714,7 +6841,7 @@
         </p:blipFill>
         <p:spPr bwMode="auto">
           <a:xfrm>
-            <a:off x="179513" y="4725143"/>
+            <a:off x="335066" y="4293096"/>
             <a:ext cx="8808934" cy="1155269"/>
           </a:xfrm>
           <a:prstGeom prst="rect">
@@ -6879,29 +7006,108 @@
           <a:lstStyle/>
           <a:p>
             <a:r>
-              <a:rPr lang="en-US" altLang="zh-CN" dirty="0" smtClean="0"/>
+              <a:rPr lang="en-US" altLang="zh-CN" dirty="0" smtClean="0">
+                <a:latin typeface="Times New Roman" panose="02020603050405020304" pitchFamily="18" charset="0"/>
+                <a:cs typeface="Times New Roman" panose="02020603050405020304" pitchFamily="18" charset="0"/>
+              </a:rPr>
               <a:t>SVG – Coordinates System</a:t>
             </a:r>
-            <a:endParaRPr lang="zh-CN" altLang="en-US" dirty="0"/>
-          </a:p>
-        </p:txBody>
-      </p:sp>
-      <p:sp>
-        <p:nvSpPr>
-          <p:cNvPr id="3" name="Content Placeholder 2"/>
-          <p:cNvSpPr>
-            <a:spLocks noGrp="1"/>
-          </p:cNvSpPr>
+            <a:endParaRPr lang="zh-CN" altLang="en-US" dirty="0">
+              <a:latin typeface="Times New Roman" panose="02020603050405020304" pitchFamily="18" charset="0"/>
+              <a:cs typeface="Times New Roman" panose="02020603050405020304" pitchFamily="18" charset="0"/>
+            </a:endParaRPr>
+          </a:p>
+        </p:txBody>
+      </p:sp>
+      <p:pic>
+        <p:nvPicPr>
+          <p:cNvPr id="1026" name="Picture 2"/>
+          <p:cNvPicPr>
+            <a:picLocks noGrp="1" noChangeAspect="1" noChangeArrowheads="1"/>
+          </p:cNvPicPr>
           <p:nvPr>
             <p:ph idx="1"/>
           </p:nvPr>
-        </p:nvSpPr>
-        <p:spPr/>
-        <p:txBody>
-          <a:bodyPr/>
+        </p:nvPicPr>
+        <p:blipFill>
+          <a:blip r:embed="rId2">
+            <a:extLst>
+              <a:ext uri="{28A0092B-C50C-407E-A947-70E740481C1C}">
+                <a14:useLocalDpi xmlns:a14="http://schemas.microsoft.com/office/drawing/2010/main" val="0"/>
+              </a:ext>
+            </a:extLst>
+          </a:blip>
+          <a:srcRect/>
+          <a:stretch>
+            <a:fillRect/>
+          </a:stretch>
+        </p:blipFill>
+        <p:spPr bwMode="auto">
+          <a:xfrm>
+            <a:off x="1066750" y="2780928"/>
+            <a:ext cx="7105650" cy="1171575"/>
+          </a:xfrm>
+          <a:prstGeom prst="rect">
+            <a:avLst/>
+          </a:prstGeom>
+          <a:noFill/>
+          <a:ln>
+            <a:noFill/>
+          </a:ln>
+          <a:extLst>
+            <a:ext uri="{909E8E84-426E-40DD-AFC4-6F175D3DCCD1}">
+              <a14:hiddenFill xmlns:a14="http://schemas.microsoft.com/office/drawing/2010/main">
+                <a:solidFill>
+                  <a:schemeClr val="accent1"/>
+                </a:solidFill>
+              </a14:hiddenFill>
+            </a:ext>
+            <a:ext uri="{91240B29-F687-4F45-9708-019B960494DF}">
+              <a14:hiddenLine xmlns:a14="http://schemas.microsoft.com/office/drawing/2010/main" w="9525">
+                <a:solidFill>
+                  <a:schemeClr val="tx1"/>
+                </a:solidFill>
+                <a:miter lim="800000"/>
+                <a:headEnd/>
+                <a:tailEnd/>
+              </a14:hiddenLine>
+            </a:ext>
+          </a:extLst>
+        </p:spPr>
+      </p:pic>
+      <p:sp>
+        <p:nvSpPr>
+          <p:cNvPr id="4" name="TextBox 3"/>
+          <p:cNvSpPr txBox="1"/>
+          <p:nvPr/>
+        </p:nvSpPr>
+        <p:spPr>
+          <a:xfrm>
+            <a:off x="1115616" y="4725144"/>
+            <a:ext cx="7128792" cy="400110"/>
+          </a:xfrm>
+          <a:prstGeom prst="rect">
+            <a:avLst/>
+          </a:prstGeom>
+          <a:noFill/>
+        </p:spPr>
+        <p:txBody>
+          <a:bodyPr wrap="square" rtlCol="0">
+            <a:spAutoFit/>
+          </a:bodyPr>
           <a:lstStyle/>
           <a:p>
-            <a:endParaRPr lang="zh-CN" altLang="en-US"/>
+            <a:r>
+              <a:rPr lang="en-US" altLang="zh-CN" sz="2000" dirty="0">
+                <a:latin typeface="Times New Roman" panose="02020603050405020304" pitchFamily="18" charset="0"/>
+                <a:cs typeface="Times New Roman" panose="02020603050405020304" pitchFamily="18" charset="0"/>
+              </a:rPr>
+              <a:t>0,0 is the top-left corner of the drawing space</a:t>
+            </a:r>
+            <a:endParaRPr lang="zh-CN" altLang="en-US" sz="2000" dirty="0">
+              <a:latin typeface="Times New Roman" panose="02020603050405020304" pitchFamily="18" charset="0"/>
+              <a:cs typeface="Times New Roman" panose="02020603050405020304" pitchFamily="18" charset="0"/>
+            </a:endParaRPr>
           </a:p>
         </p:txBody>
       </p:sp>
